--- a/PPT_A9_Digital Marine Debris Remover Machine.pptx
+++ b/PPT_A9_Digital Marine Debris Remover Machine.pptx
@@ -22,33 +22,37 @@
   <p:notesSz cx="6858000" cy="9144000"/>
   <p:embeddedFontLst>
     <p:embeddedFont>
+      <p:font typeface="Anaheim" panose="02000503000000000000" pitchFamily="2" charset="0"/>
+      <p:regular r:id="rId12"/>
+    </p:embeddedFont>
+    <p:embeddedFont>
       <p:font typeface="Fira Sans Condensed" panose="020B0503050000020004" pitchFamily="34" charset="0"/>
-      <p:regular r:id="rId12"/>
-      <p:bold r:id="rId13"/>
-      <p:italic r:id="rId14"/>
-      <p:boldItalic r:id="rId15"/>
+      <p:regular r:id="rId13"/>
+      <p:bold r:id="rId14"/>
+      <p:italic r:id="rId15"/>
+      <p:boldItalic r:id="rId16"/>
     </p:embeddedFont>
     <p:embeddedFont>
       <p:font typeface="Fira Sans Condensed Light" panose="020B0403050000020004" pitchFamily="34" charset="0"/>
-      <p:regular r:id="rId16"/>
-      <p:bold r:id="rId17"/>
-      <p:italic r:id="rId18"/>
-      <p:boldItalic r:id="rId19"/>
+      <p:regular r:id="rId17"/>
+      <p:bold r:id="rId18"/>
+      <p:italic r:id="rId19"/>
+      <p:boldItalic r:id="rId20"/>
     </p:embeddedFont>
     <p:embeddedFont>
       <p:font typeface="Poppins" panose="00000500000000000000" pitchFamily="50" charset="0"/>
-      <p:regular r:id="rId20"/>
-      <p:bold r:id="rId21"/>
+      <p:regular r:id="rId21"/>
+      <p:bold r:id="rId22"/>
     </p:embeddedFont>
     <p:embeddedFont>
       <p:font typeface="Rajdhani" panose="020B0604020202020204" charset="0"/>
-      <p:regular r:id="rId22"/>
-      <p:bold r:id="rId23"/>
+      <p:regular r:id="rId23"/>
+      <p:bold r:id="rId24"/>
     </p:embeddedFont>
     <p:embeddedFont>
       <p:font typeface="Roboto Condensed Light" panose="02000000000000000000" pitchFamily="2" charset="0"/>
-      <p:regular r:id="rId24"/>
-      <p:italic r:id="rId25"/>
+      <p:regular r:id="rId25"/>
+      <p:italic r:id="rId26"/>
     </p:embeddedFont>
   </p:embeddedFontLst>
   <p:defaultTextStyle>
@@ -286,6 +290,11 @@
         <p15:guide id="1" orient="horz" pos="625">
           <p15:clr>
             <a:srgbClr val="9AA0A6"/>
+          </p15:clr>
+        </p15:guide>
+        <p15:guide id="2" pos="2880">
+          <p15:clr>
+            <a:srgbClr val="A4A3A4"/>
           </p15:clr>
         </p15:guide>
       </p15:sldGuideLst>
@@ -868,7 +877,7 @@
         </p:nvSpPr>
         <p:spPr>
           <a:xfrm>
-            <a:off x="381300" y="685800"/>
+            <a:off x="381000" y="685800"/>
             <a:ext cx="6096000" cy="3429000"/>
           </a:xfrm>
           <a:custGeom>
@@ -6916,7 +6925,7 @@
         </p:nvSpPr>
         <p:spPr>
           <a:xfrm>
-            <a:off x="720000" y="761700"/>
+            <a:off x="720000" y="427164"/>
             <a:ext cx="7704000" cy="572700"/>
           </a:xfrm>
           <a:prstGeom prst="rect">
@@ -6943,7 +6952,7 @@
               <a:buNone/>
             </a:pPr>
             <a:r>
-              <a:rPr lang="en" sz="3000" b="1">
+              <a:rPr lang="en" sz="3000" b="1" dirty="0">
                 <a:solidFill>
                   <a:srgbClr val="F3F3F3"/>
                 </a:solidFill>
@@ -6954,7 +6963,7 @@
               </a:rPr>
               <a:t>Daftar Isi</a:t>
             </a:r>
-            <a:endParaRPr sz="3000" b="1">
+            <a:endParaRPr sz="3000" b="1" dirty="0">
               <a:solidFill>
                 <a:srgbClr val="F3F3F3"/>
               </a:solidFill>
@@ -6974,7 +6983,7 @@
               </a:spcAft>
               <a:buNone/>
             </a:pPr>
-            <a:endParaRPr sz="3000" b="1">
+            <a:endParaRPr sz="3000" b="1" dirty="0">
               <a:solidFill>
                 <a:srgbClr val="F3F3F3"/>
               </a:solidFill>
@@ -6994,7 +7003,7 @@
         </p:nvSpPr>
         <p:spPr>
           <a:xfrm>
-            <a:off x="3402450" y="1178275"/>
+            <a:off x="3402450" y="843739"/>
             <a:ext cx="2339100" cy="457200"/>
           </a:xfrm>
           <a:prstGeom prst="rect">
@@ -7040,7 +7049,7 @@
         </p:nvSpPr>
         <p:spPr>
           <a:xfrm>
-            <a:off x="4501450" y="1869499"/>
+            <a:off x="4501450" y="1534963"/>
             <a:ext cx="155100" cy="155100"/>
           </a:xfrm>
           <a:prstGeom prst="ellipse">
@@ -7084,7 +7093,7 @@
         </p:nvSpPr>
         <p:spPr>
           <a:xfrm>
-            <a:off x="4501450" y="2939715"/>
+            <a:off x="4501450" y="2605179"/>
             <a:ext cx="155100" cy="155100"/>
           </a:xfrm>
           <a:prstGeom prst="ellipse">
@@ -7128,7 +7137,7 @@
         </p:nvSpPr>
         <p:spPr>
           <a:xfrm>
-            <a:off x="4501450" y="2404607"/>
+            <a:off x="4501450" y="2070071"/>
             <a:ext cx="155100" cy="155100"/>
           </a:xfrm>
           <a:prstGeom prst="ellipse">
@@ -7172,7 +7181,7 @@
         </p:nvSpPr>
         <p:spPr>
           <a:xfrm>
-            <a:off x="4501450" y="3474823"/>
+            <a:off x="4501450" y="3140287"/>
             <a:ext cx="155100" cy="155100"/>
           </a:xfrm>
           <a:prstGeom prst="ellipse">
@@ -7216,7 +7225,7 @@
         </p:nvSpPr>
         <p:spPr>
           <a:xfrm>
-            <a:off x="4501450" y="4009931"/>
+            <a:off x="4501450" y="3675395"/>
             <a:ext cx="155100" cy="155100"/>
           </a:xfrm>
           <a:prstGeom prst="ellipse">
@@ -7263,7 +7272,7 @@
         </p:nvCxnSpPr>
         <p:spPr>
           <a:xfrm>
-            <a:off x="4579000" y="2024599"/>
+            <a:off x="4579000" y="1690063"/>
             <a:ext cx="0" cy="380100"/>
           </a:xfrm>
           <a:prstGeom prst="straightConnector1">
@@ -7292,7 +7301,7 @@
         </p:nvCxnSpPr>
         <p:spPr>
           <a:xfrm>
-            <a:off x="4579000" y="2559707"/>
+            <a:off x="4579000" y="2225171"/>
             <a:ext cx="0" cy="380100"/>
           </a:xfrm>
           <a:prstGeom prst="straightConnector1">
@@ -7321,7 +7330,7 @@
         </p:nvCxnSpPr>
         <p:spPr>
           <a:xfrm>
-            <a:off x="4579000" y="3094815"/>
+            <a:off x="4579000" y="2760279"/>
             <a:ext cx="0" cy="380100"/>
           </a:xfrm>
           <a:prstGeom prst="straightConnector1">
@@ -7350,7 +7359,7 @@
         </p:nvCxnSpPr>
         <p:spPr>
           <a:xfrm>
-            <a:off x="4579000" y="3629923"/>
+            <a:off x="4579000" y="3295387"/>
             <a:ext cx="0" cy="380100"/>
           </a:xfrm>
           <a:prstGeom prst="straightConnector1">
@@ -7376,7 +7385,7 @@
         </p:nvGrpSpPr>
         <p:grpSpPr>
           <a:xfrm>
-            <a:off x="163450" y="1718449"/>
+            <a:off x="163450" y="1383913"/>
             <a:ext cx="3941605" cy="457201"/>
             <a:chOff x="163450" y="1718449"/>
             <a:chExt cx="3941605" cy="457201"/>
@@ -7475,7 +7484,7 @@
                 <a:buNone/>
               </a:pPr>
               <a:r>
-                <a:rPr lang="en" sz="2400" b="1">
+                <a:rPr lang="en" sz="2400" b="1" dirty="0">
                   <a:solidFill>
                     <a:srgbClr val="F3F3F3"/>
                   </a:solidFill>
@@ -7486,7 +7495,7 @@
                 </a:rPr>
                 <a:t>01</a:t>
               </a:r>
-              <a:endParaRPr sz="2400" b="1">
+              <a:endParaRPr sz="2400" b="1" dirty="0">
                 <a:solidFill>
                   <a:srgbClr val="F3F3F3"/>
                 </a:solidFill>
@@ -7507,7 +7516,7 @@
         </p:nvGrpSpPr>
         <p:grpSpPr>
           <a:xfrm>
-            <a:off x="5052980" y="1721839"/>
+            <a:off x="5039130" y="1907164"/>
             <a:ext cx="3384870" cy="457200"/>
             <a:chOff x="5052880" y="2254552"/>
             <a:chExt cx="3384870" cy="457200"/>
@@ -7548,7 +7557,7 @@
                 <a:buNone/>
               </a:pPr>
               <a:r>
-                <a:rPr lang="en" sz="2400" b="1">
+                <a:rPr lang="en" sz="2400" b="1" dirty="0">
                   <a:solidFill>
                     <a:srgbClr val="F3F3F3"/>
                   </a:solidFill>
@@ -7557,9 +7566,9 @@
                   <a:cs typeface="Rajdhani"/>
                   <a:sym typeface="Rajdhani"/>
                 </a:rPr>
-                <a:t>   Deksripsi</a:t>
+                <a:t>   Desksripsi</a:t>
               </a:r>
-              <a:endParaRPr sz="2400" b="1">
+              <a:endParaRPr sz="2400" b="1" dirty="0">
                 <a:solidFill>
                   <a:srgbClr val="F3F3F3"/>
                 </a:solidFill>
@@ -7606,7 +7615,7 @@
                 <a:buNone/>
               </a:pPr>
               <a:r>
-                <a:rPr lang="en" sz="2400" b="1">
+                <a:rPr lang="en" sz="2400" b="1" dirty="0">
                   <a:solidFill>
                     <a:srgbClr val="F3F3F3"/>
                   </a:solidFill>
@@ -7617,7 +7626,7 @@
                 </a:rPr>
                 <a:t>02</a:t>
               </a:r>
-              <a:endParaRPr sz="2400" b="1">
+              <a:endParaRPr sz="2400" b="1" dirty="0">
                 <a:solidFill>
                   <a:srgbClr val="F3F3F3"/>
                 </a:solidFill>
@@ -7638,7 +7647,7 @@
         </p:nvGrpSpPr>
         <p:grpSpPr>
           <a:xfrm>
-            <a:off x="720250" y="2786365"/>
+            <a:off x="720250" y="2451829"/>
             <a:ext cx="3384805" cy="457200"/>
             <a:chOff x="720250" y="2786365"/>
             <a:chExt cx="3384805" cy="457200"/>
@@ -7679,7 +7688,7 @@
                 <a:buNone/>
               </a:pPr>
               <a:r>
-                <a:rPr lang="en" sz="2400" b="1">
+                <a:rPr lang="en" sz="2400" b="1" dirty="0">
                   <a:solidFill>
                     <a:srgbClr val="F3F3F3"/>
                   </a:solidFill>
@@ -7690,7 +7699,7 @@
                 </a:rPr>
                 <a:t>Block Diagram</a:t>
               </a:r>
-              <a:endParaRPr sz="2400" b="1">
+              <a:endParaRPr sz="2400" b="1" dirty="0">
                 <a:solidFill>
                   <a:srgbClr val="F3F3F3"/>
                 </a:solidFill>
@@ -7737,7 +7746,7 @@
                 <a:buNone/>
               </a:pPr>
               <a:r>
-                <a:rPr lang="en" sz="2400" b="1">
+                <a:rPr lang="en" sz="2400" b="1" dirty="0">
                   <a:solidFill>
                     <a:srgbClr val="F3F3F3"/>
                   </a:solidFill>
@@ -7748,7 +7757,7 @@
                 </a:rPr>
                 <a:t>03</a:t>
               </a:r>
-              <a:endParaRPr sz="2400" b="1">
+              <a:endParaRPr sz="2400" b="1" dirty="0">
                 <a:solidFill>
                   <a:srgbClr val="F3F3F3"/>
                 </a:solidFill>
@@ -7769,7 +7778,7 @@
         </p:nvGrpSpPr>
         <p:grpSpPr>
           <a:xfrm>
-            <a:off x="5052880" y="2253555"/>
+            <a:off x="5060335" y="2989237"/>
             <a:ext cx="3384870" cy="457200"/>
             <a:chOff x="5052880" y="3324230"/>
             <a:chExt cx="3384870" cy="457200"/>
@@ -7810,7 +7819,7 @@
                 <a:buNone/>
               </a:pPr>
               <a:r>
-                <a:rPr lang="en" sz="2400" b="1">
+                <a:rPr lang="en" sz="2400" b="1" dirty="0">
                   <a:solidFill>
                     <a:srgbClr val="F3F3F3"/>
                   </a:solidFill>
@@ -7821,7 +7830,7 @@
                 </a:rPr>
                 <a:t>State Diagram </a:t>
               </a:r>
-              <a:endParaRPr sz="2400" b="1">
+              <a:endParaRPr sz="2400" b="1" dirty="0">
                 <a:solidFill>
                   <a:srgbClr val="F3F3F3"/>
                 </a:solidFill>
@@ -7868,7 +7877,7 @@
                 <a:buNone/>
               </a:pPr>
               <a:r>
-                <a:rPr lang="en" sz="2400" b="1">
+                <a:rPr lang="en" sz="2400" b="1" dirty="0">
                   <a:solidFill>
                     <a:srgbClr val="F3F3F3"/>
                   </a:solidFill>
@@ -7879,7 +7888,7 @@
                 </a:rPr>
                 <a:t>04</a:t>
               </a:r>
-              <a:endParaRPr sz="2400" b="1">
+              <a:endParaRPr sz="2400" b="1" dirty="0">
                 <a:solidFill>
                   <a:srgbClr val="F3F3F3"/>
                 </a:solidFill>
@@ -7900,7 +7909,7 @@
         </p:nvGrpSpPr>
         <p:grpSpPr>
           <a:xfrm>
-            <a:off x="720250" y="3858881"/>
+            <a:off x="720250" y="3524345"/>
             <a:ext cx="3384805" cy="457200"/>
             <a:chOff x="720250" y="3858881"/>
             <a:chExt cx="3384805" cy="457200"/>
@@ -7941,7 +7950,7 @@
                 <a:buNone/>
               </a:pPr>
               <a:r>
-                <a:rPr lang="en" sz="2400" b="1">
+                <a:rPr lang="en" sz="2400" b="1" dirty="0">
                   <a:solidFill>
                     <a:srgbClr val="F3F3F3"/>
                   </a:solidFill>
@@ -7952,7 +7961,7 @@
                 </a:rPr>
                 <a:t>          RTL View</a:t>
               </a:r>
-              <a:endParaRPr sz="2400" b="1">
+              <a:endParaRPr sz="2400" b="1" dirty="0">
                 <a:solidFill>
                   <a:srgbClr val="F3F3F3"/>
                 </a:solidFill>
@@ -7999,7 +8008,7 @@
                 <a:buNone/>
               </a:pPr>
               <a:r>
-                <a:rPr lang="en" sz="2400" b="1">
+                <a:rPr lang="en" sz="2400" b="1" dirty="0">
                   <a:solidFill>
                     <a:srgbClr val="F3F3F3"/>
                   </a:solidFill>
@@ -8010,7 +8019,7 @@
                 </a:rPr>
                 <a:t>05</a:t>
               </a:r>
-              <a:endParaRPr sz="2400" b="1">
+              <a:endParaRPr sz="2400" b="1" dirty="0">
                 <a:solidFill>
                   <a:srgbClr val="F3F3F3"/>
                 </a:solidFill>
@@ -8034,7 +8043,7 @@
         </p:nvCxnSpPr>
         <p:spPr>
           <a:xfrm>
-            <a:off x="4105055" y="1947049"/>
+            <a:off x="4105055" y="1612513"/>
             <a:ext cx="396300" cy="0"/>
           </a:xfrm>
           <a:prstGeom prst="straightConnector1">
@@ -8056,15 +8065,15 @@
         <p:nvCxnSpPr>
           <p:cNvPr id="87" name="Google Shape;87;p14"/>
           <p:cNvCxnSpPr>
+            <a:cxnSpLocks/>
             <a:stCxn id="64" idx="6"/>
-            <a:endCxn id="76" idx="1"/>
           </p:cNvCxnSpPr>
           <p:nvPr/>
         </p:nvCxnSpPr>
         <p:spPr>
-          <a:xfrm rot="10800000" flipH="1">
-            <a:off x="4656550" y="1950557"/>
-            <a:ext cx="396300" cy="531600"/>
+          <a:xfrm flipV="1">
+            <a:off x="4656550" y="2146665"/>
+            <a:ext cx="288175" cy="956"/>
           </a:xfrm>
           <a:prstGeom prst="straightConnector1">
             <a:avLst/>
@@ -8092,7 +8101,7 @@
         </p:nvCxnSpPr>
         <p:spPr>
           <a:xfrm rot="10800000">
-            <a:off x="4105150" y="3014865"/>
+            <a:off x="4105150" y="2680329"/>
             <a:ext cx="396300" cy="2400"/>
           </a:xfrm>
           <a:prstGeom prst="straightConnector1">
@@ -8114,15 +8123,14 @@
         <p:nvCxnSpPr>
           <p:cNvPr id="89" name="Google Shape;89;p14"/>
           <p:cNvCxnSpPr>
-            <a:stCxn id="65" idx="6"/>
-            <a:endCxn id="82" idx="1"/>
+            <a:cxnSpLocks/>
           </p:cNvCxnSpPr>
           <p:nvPr/>
         </p:nvCxnSpPr>
         <p:spPr>
-          <a:xfrm rot="10800000" flipH="1">
-            <a:off x="4656550" y="2482273"/>
-            <a:ext cx="396300" cy="1070100"/>
+          <a:xfrm>
+            <a:off x="4656550" y="3217837"/>
+            <a:ext cx="388815" cy="0"/>
           </a:xfrm>
           <a:prstGeom prst="straightConnector1">
             <a:avLst/>
@@ -8143,14 +8151,13 @@
         <p:nvCxnSpPr>
           <p:cNvPr id="90" name="Google Shape;90;p14"/>
           <p:cNvCxnSpPr>
-            <a:stCxn id="66" idx="2"/>
-            <a:endCxn id="85" idx="3"/>
+            <a:cxnSpLocks/>
           </p:cNvCxnSpPr>
           <p:nvPr/>
         </p:nvCxnSpPr>
         <p:spPr>
           <a:xfrm rot="10800000">
-            <a:off x="4105150" y="4087481"/>
+            <a:off x="4105055" y="3752945"/>
             <a:ext cx="396300" cy="0"/>
           </a:xfrm>
           <a:prstGeom prst="straightConnector1">
@@ -8179,7 +8186,7 @@
         </p:nvCxnSpPr>
         <p:spPr>
           <a:xfrm rot="10800000">
-            <a:off x="2930255" y="1947049"/>
+            <a:off x="2930255" y="1612513"/>
             <a:ext cx="443400" cy="0"/>
           </a:xfrm>
           <a:prstGeom prst="straightConnector1">
@@ -8208,7 +8215,7 @@
         </p:nvCxnSpPr>
         <p:spPr>
           <a:xfrm rot="10800000">
-            <a:off x="2930255" y="3014965"/>
+            <a:off x="2930255" y="2680429"/>
             <a:ext cx="443400" cy="0"/>
           </a:xfrm>
           <a:prstGeom prst="straightConnector1">
@@ -8237,7 +8244,7 @@
         </p:nvCxnSpPr>
         <p:spPr>
           <a:xfrm rot="10800000">
-            <a:off x="2930255" y="4087481"/>
+            <a:off x="2930255" y="3752945"/>
             <a:ext cx="443400" cy="0"/>
           </a:xfrm>
           <a:prstGeom prst="straightConnector1">
@@ -8266,8 +8273,8 @@
         </p:nvCxnSpPr>
         <p:spPr>
           <a:xfrm>
-            <a:off x="5784380" y="1950439"/>
-            <a:ext cx="443400" cy="0"/>
+            <a:off x="5770530" y="2135764"/>
+            <a:ext cx="443370" cy="0"/>
           </a:xfrm>
           <a:prstGeom prst="straightConnector1">
             <a:avLst/>
@@ -8295,8 +8302,8 @@
         </p:nvCxnSpPr>
         <p:spPr>
           <a:xfrm>
-            <a:off x="5784280" y="2482155"/>
-            <a:ext cx="443400" cy="0"/>
+            <a:off x="5791735" y="3217837"/>
+            <a:ext cx="443370" cy="0"/>
           </a:xfrm>
           <a:prstGeom prst="straightConnector1">
             <a:avLst/>
@@ -8321,7 +8328,7 @@
         </p:nvGrpSpPr>
         <p:grpSpPr>
           <a:xfrm>
-            <a:off x="5052955" y="3328830"/>
+            <a:off x="5072670" y="4047264"/>
             <a:ext cx="3384870" cy="457200"/>
             <a:chOff x="5052880" y="3324230"/>
             <a:chExt cx="3384870" cy="457200"/>
@@ -8362,7 +8369,7 @@
                 <a:buNone/>
               </a:pPr>
               <a:r>
-                <a:rPr lang="en" sz="2400" b="1">
+                <a:rPr lang="en" sz="2400" b="1" dirty="0">
                   <a:solidFill>
                     <a:srgbClr val="F3F3F3"/>
                   </a:solidFill>
@@ -8373,7 +8380,7 @@
                 </a:rPr>
                 <a:t>   Kesimpulan</a:t>
               </a:r>
-              <a:endParaRPr sz="2400" b="1">
+              <a:endParaRPr sz="2400" b="1" dirty="0">
                 <a:solidFill>
                   <a:srgbClr val="F3F3F3"/>
                 </a:solidFill>
@@ -8420,7 +8427,7 @@
                 <a:buNone/>
               </a:pPr>
               <a:r>
-                <a:rPr lang="en" sz="2400" b="1">
+                <a:rPr lang="en" sz="2400" b="1" dirty="0">
                   <a:solidFill>
                     <a:srgbClr val="F3F3F3"/>
                   </a:solidFill>
@@ -8431,7 +8438,7 @@
                 </a:rPr>
                 <a:t>06</a:t>
               </a:r>
-              <a:endParaRPr sz="2400" b="1">
+              <a:endParaRPr sz="2400" b="1" dirty="0">
                 <a:solidFill>
                   <a:srgbClr val="F3F3F3"/>
                 </a:solidFill>
@@ -8448,13 +8455,13 @@
         <p:nvCxnSpPr>
           <p:cNvPr id="99" name="Google Shape;99;p14"/>
           <p:cNvCxnSpPr>
-            <a:endCxn id="98" idx="1"/>
+            <a:cxnSpLocks/>
           </p:cNvCxnSpPr>
           <p:nvPr/>
         </p:nvCxnSpPr>
         <p:spPr>
           <a:xfrm>
-            <a:off x="4656655" y="3556830"/>
+            <a:off x="4667929" y="4288052"/>
             <a:ext cx="396300" cy="600"/>
           </a:xfrm>
           <a:prstGeom prst="straightConnector1">
@@ -8483,8 +8490,8 @@
         </p:nvCxnSpPr>
         <p:spPr>
           <a:xfrm>
-            <a:off x="5784355" y="3557430"/>
-            <a:ext cx="443400" cy="0"/>
+            <a:off x="5804070" y="4275864"/>
+            <a:ext cx="443370" cy="0"/>
           </a:xfrm>
           <a:prstGeom prst="straightConnector1">
             <a:avLst/>
@@ -8501,6 +8508,88 @@
           </a:ln>
         </p:spPr>
       </p:cxnSp>
+      <p:cxnSp>
+        <p:nvCxnSpPr>
+          <p:cNvPr id="7" name="Google Shape;70;p14">
+            <a:extLst>
+              <a:ext uri="{FF2B5EF4-FFF2-40B4-BE49-F238E27FC236}">
+                <a16:creationId xmlns:a16="http://schemas.microsoft.com/office/drawing/2014/main" id="{C7F4A547-911C-8627-97DC-276DF7C19160}"/>
+              </a:ext>
+            </a:extLst>
+          </p:cNvPr>
+          <p:cNvCxnSpPr/>
+          <p:nvPr/>
+        </p:nvCxnSpPr>
+        <p:spPr>
+          <a:xfrm>
+            <a:off x="4579434" y="3830495"/>
+            <a:ext cx="0" cy="380100"/>
+          </a:xfrm>
+          <a:prstGeom prst="straightConnector1">
+            <a:avLst/>
+          </a:prstGeom>
+          <a:noFill/>
+          <a:ln w="19050" cap="flat" cmpd="sng">
+            <a:solidFill>
+              <a:srgbClr val="F3F3F3"/>
+            </a:solidFill>
+            <a:prstDash val="solid"/>
+            <a:round/>
+            <a:headEnd type="none" w="med" len="med"/>
+            <a:tailEnd type="none" w="med" len="med"/>
+          </a:ln>
+        </p:spPr>
+      </p:cxnSp>
+      <p:sp>
+        <p:nvSpPr>
+          <p:cNvPr id="9" name="Google Shape;66;p14">
+            <a:extLst>
+              <a:ext uri="{FF2B5EF4-FFF2-40B4-BE49-F238E27FC236}">
+                <a16:creationId xmlns:a16="http://schemas.microsoft.com/office/drawing/2014/main" id="{6F8BFAB0-74A9-F712-6EF3-79F9A1ADD1C8}"/>
+              </a:ext>
+            </a:extLst>
+          </p:cNvPr>
+          <p:cNvSpPr/>
+          <p:nvPr/>
+        </p:nvSpPr>
+        <p:spPr>
+          <a:xfrm>
+            <a:off x="4504388" y="4210502"/>
+            <a:ext cx="155100" cy="155100"/>
+          </a:xfrm>
+          <a:prstGeom prst="ellipse">
+            <a:avLst/>
+          </a:prstGeom>
+          <a:noFill/>
+          <a:ln w="19050" cap="flat" cmpd="sng">
+            <a:solidFill>
+              <a:srgbClr val="F3F3F3"/>
+            </a:solidFill>
+            <a:prstDash val="solid"/>
+            <a:round/>
+            <a:headEnd type="none" w="sm" len="sm"/>
+            <a:tailEnd type="none" w="sm" len="sm"/>
+          </a:ln>
+        </p:spPr>
+        <p:txBody>
+          <a:bodyPr spcFirstLastPara="1" wrap="square" lIns="91425" tIns="91425" rIns="91425" bIns="91425" anchor="ctr" anchorCtr="0">
+            <a:noAutofit/>
+          </a:bodyPr>
+          <a:lstStyle/>
+          <a:p>
+            <a:pPr marL="0" lvl="0" indent="0" algn="l" rtl="0">
+              <a:spcBef>
+                <a:spcPts val="0"/>
+              </a:spcBef>
+              <a:spcAft>
+                <a:spcPts val="0"/>
+              </a:spcAft>
+              <a:buNone/>
+            </a:pPr>
+            <a:endParaRPr/>
+          </a:p>
+        </p:txBody>
+      </p:sp>
     </p:spTree>
   </p:cSld>
   <p:clrMapOvr>
@@ -8617,7 +8706,7 @@
                   <a:schemeClr val="lt2"/>
                 </a:solidFill>
               </a:rPr>
-              <a:t>Muhammad Aqil Muzakky (2106731604)</a:t>
+              <a:t>Muhammad Aqil Muzakky 	(2106731604)</a:t>
             </a:r>
           </a:p>
           <a:p>
@@ -8645,7 +8734,7 @@
                   <a:schemeClr val="lt2"/>
                 </a:solidFill>
               </a:rPr>
-              <a:t>Muhammad Fathan Muhandis (2106731623)</a:t>
+              <a:t>Muhammad Fathan Muhandis 	(2106731623)</a:t>
             </a:r>
           </a:p>
           <a:p>
@@ -8673,7 +8762,7 @@
                   <a:schemeClr val="lt2"/>
                 </a:solidFill>
               </a:rPr>
-              <a:t>Mohammad Varrel Bramasta (2106733811)</a:t>
+              <a:t>Mohammad Varrel Bramasta 	(2106733811)</a:t>
             </a:r>
           </a:p>
           <a:p>
@@ -8740,7 +8829,7 @@
                   <a:schemeClr val="lt2"/>
                 </a:solidFill>
               </a:rPr>
-              <a:t> (2106733843)</a:t>
+              <a:t> 		(2106733843)</a:t>
             </a:r>
           </a:p>
           <a:p>
@@ -19258,7 +19347,7 @@
         <p:spPr>
           <a:xfrm>
             <a:off x="3967075" y="1509275"/>
-            <a:ext cx="4981200" cy="3186300"/>
+            <a:ext cx="4981200" cy="2985402"/>
           </a:xfrm>
           <a:prstGeom prst="rect">
             <a:avLst/>
@@ -19284,24 +19373,24 @@
               <a:buNone/>
             </a:pPr>
             <a:r>
-              <a:rPr lang="en" sz="1500" b="1" dirty="0">
+              <a:rPr lang="en" sz="1300" dirty="0">
                 <a:solidFill>
                   <a:srgbClr val="FFFFFF"/>
                 </a:solidFill>
-                <a:latin typeface="Fira Sans Condensed Light"/>
+                <a:latin typeface="Poppins" panose="00000500000000000000" pitchFamily="50" charset="0"/>
                 <a:ea typeface="Fira Sans Condensed Light"/>
-                <a:cs typeface="Fira Sans Condensed Light"/>
+                <a:cs typeface="Poppins" panose="00000500000000000000" pitchFamily="50" charset="0"/>
                 <a:sym typeface="Fira Sans Condensed Light"/>
               </a:rPr>
               <a:t>Digital Marine Debris Remover Machine merupakan alat otomatis pengangkut sampah dilaut yang diujungnya terdapat jaring. Kami membuat alat ini yang bertujuan untuk mempermudah dalam melakukan pengurangan sampah dilaut dikarenakan alat ini memiliki sensor pendeteksi sampah yang akan mengangkat sampah ketika sensor mendeteksi sampah sudah pada jaring. Program bekerja dengan cara user mengontrol tuas untuk dapat mengendalikan jaring. Kail dengan jaring tersebut dapat bergerak ke depan, belakang, kanan dan kiri. Dan terdapat Sensor yang berfungsi mendeteksi sampah ketika sudah penuh dan akan menarik jaring keatas secara otomatis</a:t>
             </a:r>
-            <a:endParaRPr sz="1500" b="1" dirty="0">
+            <a:endParaRPr sz="1300" dirty="0">
               <a:solidFill>
                 <a:srgbClr val="FFFFFF"/>
               </a:solidFill>
-              <a:latin typeface="Fira Sans Condensed Light"/>
+              <a:latin typeface="Poppins" panose="00000500000000000000" pitchFamily="50" charset="0"/>
               <a:ea typeface="Fira Sans Condensed Light"/>
-              <a:cs typeface="Fira Sans Condensed Light"/>
+              <a:cs typeface="Poppins" panose="00000500000000000000" pitchFamily="50" charset="0"/>
               <a:sym typeface="Fira Sans Condensed Light"/>
             </a:endParaRPr>
           </a:p>
@@ -19315,13 +19404,13 @@
               </a:spcAft>
               <a:buNone/>
             </a:pPr>
-            <a:endParaRPr sz="1500" dirty="0">
+            <a:endParaRPr sz="1300" dirty="0">
               <a:solidFill>
                 <a:srgbClr val="FFFFFF"/>
               </a:solidFill>
-              <a:latin typeface="Fira Sans Condensed Light"/>
+              <a:latin typeface="Poppins" panose="00000500000000000000" pitchFamily="50" charset="0"/>
               <a:ea typeface="Fira Sans Condensed Light"/>
-              <a:cs typeface="Fira Sans Condensed Light"/>
+              <a:cs typeface="Poppins" panose="00000500000000000000" pitchFamily="50" charset="0"/>
               <a:sym typeface="Fira Sans Condensed Light"/>
             </a:endParaRPr>
           </a:p>
@@ -21037,7 +21126,7 @@
               <a:buNone/>
             </a:pPr>
             <a:r>
-              <a:rPr lang="en" sz="2400" b="1">
+              <a:rPr lang="en" sz="2400" b="1" dirty="0">
                 <a:solidFill>
                   <a:schemeClr val="lt2"/>
                 </a:solidFill>
@@ -21048,7 +21137,7 @@
               </a:rPr>
               <a:t>STATE 0 - STATE 5</a:t>
             </a:r>
-            <a:endParaRPr sz="2400" b="1">
+            <a:endParaRPr sz="2400" b="1" dirty="0">
               <a:solidFill>
                 <a:schemeClr val="lt2"/>
               </a:solidFill>
@@ -21265,10 +21354,10 @@
               <a:buNone/>
             </a:pPr>
             <a:r>
-              <a:rPr lang="en"/>
+              <a:rPr lang="en" dirty="0"/>
               <a:t>Block Diagram</a:t>
             </a:r>
-            <a:endParaRPr/>
+            <a:endParaRPr dirty="0"/>
           </a:p>
           <a:p>
             <a:pPr marL="0" lvl="0" indent="0" algn="ctr" rtl="0">
@@ -21280,7 +21369,7 @@
               </a:spcAft>
               <a:buNone/>
             </a:pPr>
-            <a:endParaRPr/>
+            <a:endParaRPr dirty="0"/>
           </a:p>
         </p:txBody>
       </p:sp>
@@ -21871,24 +21960,24 @@
               <a:buNone/>
             </a:pPr>
             <a:r>
-              <a:rPr lang="en" dirty="0">
+              <a:rPr lang="en" sz="1300" dirty="0">
                 <a:solidFill>
                   <a:schemeClr val="lt2"/>
                 </a:solidFill>
-                <a:latin typeface="Fira Sans Condensed"/>
+                <a:latin typeface="Poppins" panose="00000500000000000000" pitchFamily="50" charset="0"/>
                 <a:ea typeface="Fira Sans Condensed"/>
-                <a:cs typeface="Fira Sans Condensed"/>
+                <a:cs typeface="Poppins" panose="00000500000000000000" pitchFamily="50" charset="0"/>
                 <a:sym typeface="Fira Sans Condensed"/>
               </a:rPr>
               <a:t>Proyek yang kami buat dideskripsikan dalam bahasa pemrograman VHDL dan memiliki 6 buah state yaitu S0, S1, S2, S3, S4, dan S5. S0 berfungsi untuk menyalakan dan matikan mesin dengan input Machine. S1 dan S2 berfungsi sebagai penyearah dengan input D. S3 berfungsi sebagai pengecek sensor dan S4 berfungsi sebagai mekanisme gerak sensor. State terakhir yaitu S5 berfungsi sebagai error handling.</a:t>
             </a:r>
-            <a:endParaRPr dirty="0">
+            <a:endParaRPr sz="1300" dirty="0">
               <a:solidFill>
                 <a:schemeClr val="lt2"/>
               </a:solidFill>
-              <a:latin typeface="Fira Sans Condensed"/>
+              <a:latin typeface="Poppins" panose="00000500000000000000" pitchFamily="50" charset="0"/>
               <a:ea typeface="Fira Sans Condensed"/>
-              <a:cs typeface="Fira Sans Condensed"/>
+              <a:cs typeface="Poppins" panose="00000500000000000000" pitchFamily="50" charset="0"/>
               <a:sym typeface="Fira Sans Condensed"/>
             </a:endParaRPr>
           </a:p>
@@ -21932,24 +22021,24 @@
               <a:buNone/>
             </a:pPr>
             <a:r>
-              <a:rPr lang="en" dirty="0">
+              <a:rPr lang="en" sz="1300" dirty="0">
                 <a:solidFill>
                   <a:schemeClr val="lt2"/>
                 </a:solidFill>
-                <a:latin typeface="Fira Sans Condensed"/>
+                <a:latin typeface="Poppins" panose="00000500000000000000" pitchFamily="50" charset="0"/>
                 <a:ea typeface="Fira Sans Condensed"/>
-                <a:cs typeface="Fira Sans Condensed"/>
+                <a:cs typeface="Poppins" panose="00000500000000000000" pitchFamily="50" charset="0"/>
                 <a:sym typeface="Fira Sans Condensed"/>
               </a:rPr>
               <a:t>Digital Marine Debris Remover Machine adalah sebuah mesin yang dibuat untuk menangani sampah laut yang merupakan masalah signifikan yang juga mempengaruhi kesehatan lautan kita dan hewan yang hidup di dalamnya. Menghilangkan sampah laut penting untuk melindungi ekosistem laut dan memastikan keberlanjutan lautan kita. Mesin ini terdapat kail dengan jaring yang dapat dikontrol maju, mundur, kanan dan kiri sesuai yang diinginkan, kemudian dapat memenurukan kail dengan jaring tersebut untuk mencari dan mengambil sampah yang ada dengan tambahan fitur sensor yang mendeteksi sampah yang penuh dalam jaring.</a:t>
             </a:r>
-            <a:endParaRPr dirty="0">
+            <a:endParaRPr sz="1300" dirty="0">
               <a:solidFill>
                 <a:schemeClr val="lt2"/>
               </a:solidFill>
-              <a:latin typeface="Fira Sans Condensed"/>
+              <a:latin typeface="Poppins" panose="00000500000000000000" pitchFamily="50" charset="0"/>
               <a:ea typeface="Fira Sans Condensed"/>
-              <a:cs typeface="Fira Sans Condensed"/>
+              <a:cs typeface="Poppins" panose="00000500000000000000" pitchFamily="50" charset="0"/>
               <a:sym typeface="Fira Sans Condensed"/>
             </a:endParaRPr>
           </a:p>
@@ -21966,13 +22055,13 @@
               </a:spcAft>
               <a:buNone/>
             </a:pPr>
-            <a:endParaRPr dirty="0">
+            <a:endParaRPr sz="1300" dirty="0">
               <a:solidFill>
                 <a:schemeClr val="lt2"/>
               </a:solidFill>
-              <a:latin typeface="Fira Sans Condensed"/>
+              <a:latin typeface="Poppins" panose="00000500000000000000" pitchFamily="50" charset="0"/>
               <a:ea typeface="Fira Sans Condensed"/>
-              <a:cs typeface="Fira Sans Condensed"/>
+              <a:cs typeface="Poppins" panose="00000500000000000000" pitchFamily="50" charset="0"/>
               <a:sym typeface="Fira Sans Condensed"/>
             </a:endParaRPr>
           </a:p>
